--- a/Milestone/Milestone_5/项目总结.pptx
+++ b/Milestone/Milestone_5/项目总结.pptx
@@ -254,7 +254,7 @@
           <a:p>
             <a:fld id="{BEBAEF48-DCDD-4798-BBA8-B79735BBEFC1}" type="datetimeFigureOut">
               <a:rPr lang="zh-CN" altLang="en-US" smtClean="0"/>
-              <a:t>2017/9/1</a:t>
+              <a:t>2017/9/2</a:t>
             </a:fld>
             <a:endParaRPr lang="zh-CN" altLang="en-US"/>
           </a:p>
@@ -424,7 +424,7 @@
           <a:p>
             <a:fld id="{BEBAEF48-DCDD-4798-BBA8-B79735BBEFC1}" type="datetimeFigureOut">
               <a:rPr lang="zh-CN" altLang="en-US" smtClean="0"/>
-              <a:t>2017/9/1</a:t>
+              <a:t>2017/9/2</a:t>
             </a:fld>
             <a:endParaRPr lang="zh-CN" altLang="en-US"/>
           </a:p>
@@ -604,7 +604,7 @@
           <a:p>
             <a:fld id="{BEBAEF48-DCDD-4798-BBA8-B79735BBEFC1}" type="datetimeFigureOut">
               <a:rPr lang="zh-CN" altLang="en-US" smtClean="0"/>
-              <a:t>2017/9/1</a:t>
+              <a:t>2017/9/2</a:t>
             </a:fld>
             <a:endParaRPr lang="zh-CN" altLang="en-US"/>
           </a:p>
@@ -1773,7 +1773,7 @@
           <a:p>
             <a:fld id="{BEBAEF48-DCDD-4798-BBA8-B79735BBEFC1}" type="datetimeFigureOut">
               <a:rPr lang="zh-CN" altLang="en-US" smtClean="0"/>
-              <a:t>2017/9/1</a:t>
+              <a:t>2017/9/2</a:t>
             </a:fld>
             <a:endParaRPr lang="zh-CN" altLang="en-US"/>
           </a:p>
@@ -2019,7 +2019,7 @@
           <a:p>
             <a:fld id="{BEBAEF48-DCDD-4798-BBA8-B79735BBEFC1}" type="datetimeFigureOut">
               <a:rPr lang="zh-CN" altLang="en-US" smtClean="0"/>
-              <a:t>2017/9/1</a:t>
+              <a:t>2017/9/2</a:t>
             </a:fld>
             <a:endParaRPr lang="zh-CN" altLang="en-US"/>
           </a:p>
@@ -2251,7 +2251,7 @@
           <a:p>
             <a:fld id="{BEBAEF48-DCDD-4798-BBA8-B79735BBEFC1}" type="datetimeFigureOut">
               <a:rPr lang="zh-CN" altLang="en-US" smtClean="0"/>
-              <a:t>2017/9/1</a:t>
+              <a:t>2017/9/2</a:t>
             </a:fld>
             <a:endParaRPr lang="zh-CN" altLang="en-US"/>
           </a:p>
@@ -2618,7 +2618,7 @@
           <a:p>
             <a:fld id="{BEBAEF48-DCDD-4798-BBA8-B79735BBEFC1}" type="datetimeFigureOut">
               <a:rPr lang="zh-CN" altLang="en-US" smtClean="0"/>
-              <a:t>2017/9/1</a:t>
+              <a:t>2017/9/2</a:t>
             </a:fld>
             <a:endParaRPr lang="zh-CN" altLang="en-US"/>
           </a:p>
@@ -2736,7 +2736,7 @@
           <a:p>
             <a:fld id="{BEBAEF48-DCDD-4798-BBA8-B79735BBEFC1}" type="datetimeFigureOut">
               <a:rPr lang="zh-CN" altLang="en-US" smtClean="0"/>
-              <a:t>2017/9/1</a:t>
+              <a:t>2017/9/2</a:t>
             </a:fld>
             <a:endParaRPr lang="zh-CN" altLang="en-US"/>
           </a:p>
@@ -2831,7 +2831,7 @@
           <a:p>
             <a:fld id="{BEBAEF48-DCDD-4798-BBA8-B79735BBEFC1}" type="datetimeFigureOut">
               <a:rPr lang="zh-CN" altLang="en-US" smtClean="0"/>
-              <a:t>2017/9/1</a:t>
+              <a:t>2017/9/2</a:t>
             </a:fld>
             <a:endParaRPr lang="zh-CN" altLang="en-US"/>
           </a:p>
@@ -3108,7 +3108,7 @@
           <a:p>
             <a:fld id="{BEBAEF48-DCDD-4798-BBA8-B79735BBEFC1}" type="datetimeFigureOut">
               <a:rPr lang="zh-CN" altLang="en-US" smtClean="0"/>
-              <a:t>2017/9/1</a:t>
+              <a:t>2017/9/2</a:t>
             </a:fld>
             <a:endParaRPr lang="zh-CN" altLang="en-US"/>
           </a:p>
@@ -3361,7 +3361,7 @@
           <a:p>
             <a:fld id="{BEBAEF48-DCDD-4798-BBA8-B79735BBEFC1}" type="datetimeFigureOut">
               <a:rPr lang="zh-CN" altLang="en-US" smtClean="0"/>
-              <a:t>2017/9/1</a:t>
+              <a:t>2017/9/2</a:t>
             </a:fld>
             <a:endParaRPr lang="zh-CN" altLang="en-US"/>
           </a:p>
@@ -3574,7 +3574,7 @@
           <a:p>
             <a:fld id="{BEBAEF48-DCDD-4798-BBA8-B79735BBEFC1}" type="datetimeFigureOut">
               <a:rPr lang="zh-CN" altLang="en-US" smtClean="0"/>
-              <a:t>2017/9/1</a:t>
+              <a:t>2017/9/2</a:t>
             </a:fld>
             <a:endParaRPr lang="zh-CN" altLang="en-US"/>
           </a:p>
@@ -3969,6 +3969,40 @@
 <file path=ppt/slides/slide1.xml><?xml version="1.0" encoding="utf-8"?>
 <p:sld xmlns:a="http://schemas.openxmlformats.org/drawingml/2006/main" xmlns:r="http://schemas.openxmlformats.org/officeDocument/2006/relationships" xmlns:p="http://schemas.openxmlformats.org/presentationml/2006/main">
   <p:cSld>
+    <p:bg>
+      <p:bgPr>
+        <a:gradFill>
+          <a:gsLst>
+            <a:gs pos="0">
+              <a:schemeClr val="accent5">
+                <a:lumMod val="5000"/>
+                <a:lumOff val="95000"/>
+              </a:schemeClr>
+            </a:gs>
+            <a:gs pos="74000">
+              <a:schemeClr val="accent5">
+                <a:lumMod val="45000"/>
+                <a:lumOff val="55000"/>
+              </a:schemeClr>
+            </a:gs>
+            <a:gs pos="83000">
+              <a:schemeClr val="accent5">
+                <a:lumMod val="45000"/>
+                <a:lumOff val="55000"/>
+              </a:schemeClr>
+            </a:gs>
+            <a:gs pos="100000">
+              <a:schemeClr val="accent5">
+                <a:lumMod val="30000"/>
+                <a:lumOff val="70000"/>
+              </a:schemeClr>
+            </a:gs>
+          </a:gsLst>
+          <a:lin ang="5400000" scaled="1"/>
+        </a:gradFill>
+        <a:effectLst/>
+      </p:bgPr>
+    </p:bg>
     <p:spTree>
       <p:nvGrpSpPr>
         <p:cNvPr id="1" name=""/>
@@ -4185,6 +4219,40 @@
 <file path=ppt/slides/slide10.xml><?xml version="1.0" encoding="utf-8"?>
 <p:sld xmlns:a="http://schemas.openxmlformats.org/drawingml/2006/main" xmlns:r="http://schemas.openxmlformats.org/officeDocument/2006/relationships" xmlns:p="http://schemas.openxmlformats.org/presentationml/2006/main">
   <p:cSld>
+    <p:bg>
+      <p:bgPr>
+        <a:gradFill>
+          <a:gsLst>
+            <a:gs pos="0">
+              <a:schemeClr val="accent5">
+                <a:lumMod val="5000"/>
+                <a:lumOff val="95000"/>
+              </a:schemeClr>
+            </a:gs>
+            <a:gs pos="74000">
+              <a:schemeClr val="accent5">
+                <a:lumMod val="45000"/>
+                <a:lumOff val="55000"/>
+              </a:schemeClr>
+            </a:gs>
+            <a:gs pos="83000">
+              <a:schemeClr val="accent5">
+                <a:lumMod val="45000"/>
+                <a:lumOff val="55000"/>
+              </a:schemeClr>
+            </a:gs>
+            <a:gs pos="100000">
+              <a:schemeClr val="accent5">
+                <a:lumMod val="30000"/>
+                <a:lumOff val="70000"/>
+              </a:schemeClr>
+            </a:gs>
+          </a:gsLst>
+          <a:lin ang="5400000" scaled="1"/>
+        </a:gradFill>
+        <a:effectLst/>
+      </p:bgPr>
+    </p:bg>
     <p:spTree>
       <p:nvGrpSpPr>
         <p:cNvPr id="1" name=""/>
@@ -4633,6 +4701,40 @@
 <file path=ppt/slides/slide11.xml><?xml version="1.0" encoding="utf-8"?>
 <p:sld xmlns:a="http://schemas.openxmlformats.org/drawingml/2006/main" xmlns:r="http://schemas.openxmlformats.org/officeDocument/2006/relationships" xmlns:p="http://schemas.openxmlformats.org/presentationml/2006/main">
   <p:cSld>
+    <p:bg>
+      <p:bgPr>
+        <a:gradFill>
+          <a:gsLst>
+            <a:gs pos="0">
+              <a:schemeClr val="accent5">
+                <a:lumMod val="5000"/>
+                <a:lumOff val="95000"/>
+              </a:schemeClr>
+            </a:gs>
+            <a:gs pos="74000">
+              <a:schemeClr val="accent5">
+                <a:lumMod val="45000"/>
+                <a:lumOff val="55000"/>
+              </a:schemeClr>
+            </a:gs>
+            <a:gs pos="83000">
+              <a:schemeClr val="accent5">
+                <a:lumMod val="45000"/>
+                <a:lumOff val="55000"/>
+              </a:schemeClr>
+            </a:gs>
+            <a:gs pos="100000">
+              <a:schemeClr val="accent5">
+                <a:lumMod val="30000"/>
+                <a:lumOff val="70000"/>
+              </a:schemeClr>
+            </a:gs>
+          </a:gsLst>
+          <a:lin ang="5400000" scaled="1"/>
+        </a:gradFill>
+        <a:effectLst/>
+      </p:bgPr>
+    </p:bg>
     <p:spTree>
       <p:nvGrpSpPr>
         <p:cNvPr id="1" name=""/>
@@ -5030,6 +5132,40 @@
 <file path=ppt/slides/slide12.xml><?xml version="1.0" encoding="utf-8"?>
 <p:sld xmlns:a="http://schemas.openxmlformats.org/drawingml/2006/main" xmlns:r="http://schemas.openxmlformats.org/officeDocument/2006/relationships" xmlns:p="http://schemas.openxmlformats.org/presentationml/2006/main">
   <p:cSld>
+    <p:bg>
+      <p:bgPr>
+        <a:gradFill>
+          <a:gsLst>
+            <a:gs pos="0">
+              <a:schemeClr val="accent5">
+                <a:lumMod val="5000"/>
+                <a:lumOff val="95000"/>
+              </a:schemeClr>
+            </a:gs>
+            <a:gs pos="74000">
+              <a:schemeClr val="accent5">
+                <a:lumMod val="45000"/>
+                <a:lumOff val="55000"/>
+              </a:schemeClr>
+            </a:gs>
+            <a:gs pos="83000">
+              <a:schemeClr val="accent5">
+                <a:lumMod val="45000"/>
+                <a:lumOff val="55000"/>
+              </a:schemeClr>
+            </a:gs>
+            <a:gs pos="100000">
+              <a:schemeClr val="accent5">
+                <a:lumMod val="30000"/>
+                <a:lumOff val="70000"/>
+              </a:schemeClr>
+            </a:gs>
+          </a:gsLst>
+          <a:lin ang="5400000" scaled="1"/>
+        </a:gradFill>
+        <a:effectLst/>
+      </p:bgPr>
+    </p:bg>
     <p:spTree>
       <p:nvGrpSpPr>
         <p:cNvPr id="1" name=""/>
@@ -5357,6 +5493,40 @@
 <file path=ppt/slides/slide2.xml><?xml version="1.0" encoding="utf-8"?>
 <p:sld xmlns:a="http://schemas.openxmlformats.org/drawingml/2006/main" xmlns:r="http://schemas.openxmlformats.org/officeDocument/2006/relationships" xmlns:p="http://schemas.openxmlformats.org/presentationml/2006/main">
   <p:cSld>
+    <p:bg>
+      <p:bgPr>
+        <a:gradFill>
+          <a:gsLst>
+            <a:gs pos="0">
+              <a:schemeClr val="accent5">
+                <a:lumMod val="5000"/>
+                <a:lumOff val="95000"/>
+              </a:schemeClr>
+            </a:gs>
+            <a:gs pos="74000">
+              <a:schemeClr val="accent5">
+                <a:lumMod val="45000"/>
+                <a:lumOff val="55000"/>
+              </a:schemeClr>
+            </a:gs>
+            <a:gs pos="83000">
+              <a:schemeClr val="accent5">
+                <a:lumMod val="45000"/>
+                <a:lumOff val="55000"/>
+              </a:schemeClr>
+            </a:gs>
+            <a:gs pos="100000">
+              <a:schemeClr val="accent5">
+                <a:lumMod val="30000"/>
+                <a:lumOff val="70000"/>
+              </a:schemeClr>
+            </a:gs>
+          </a:gsLst>
+          <a:lin ang="5400000" scaled="1"/>
+        </a:gradFill>
+        <a:effectLst/>
+      </p:bgPr>
+    </p:bg>
     <p:spTree>
       <p:nvGrpSpPr>
         <p:cNvPr id="1" name=""/>
@@ -6047,6 +6217,41 @@
 <file path=ppt/slides/slide3.xml><?xml version="1.0" encoding="utf-8"?>
 <p:sld xmlns:a="http://schemas.openxmlformats.org/drawingml/2006/main" xmlns:r="http://schemas.openxmlformats.org/officeDocument/2006/relationships" xmlns:p="http://schemas.openxmlformats.org/presentationml/2006/main">
   <p:cSld>
+    <p:bg>
+      <p:bgPr>
+        <a:gradFill flip="none" rotWithShape="1">
+          <a:gsLst>
+            <a:gs pos="0">
+              <a:schemeClr val="accent5">
+                <a:lumMod val="5000"/>
+                <a:lumOff val="95000"/>
+              </a:schemeClr>
+            </a:gs>
+            <a:gs pos="74000">
+              <a:schemeClr val="accent5">
+                <a:lumMod val="45000"/>
+                <a:lumOff val="55000"/>
+              </a:schemeClr>
+            </a:gs>
+            <a:gs pos="83000">
+              <a:schemeClr val="accent5">
+                <a:lumMod val="45000"/>
+                <a:lumOff val="55000"/>
+              </a:schemeClr>
+            </a:gs>
+            <a:gs pos="100000">
+              <a:schemeClr val="accent5">
+                <a:lumMod val="30000"/>
+                <a:lumOff val="70000"/>
+              </a:schemeClr>
+            </a:gs>
+          </a:gsLst>
+          <a:lin ang="5400000" scaled="1"/>
+          <a:tileRect/>
+        </a:gradFill>
+        <a:effectLst/>
+      </p:bgPr>
+    </p:bg>
     <p:spTree>
       <p:nvGrpSpPr>
         <p:cNvPr id="1" name=""/>
@@ -6272,6 +6477,40 @@
 <file path=ppt/slides/slide4.xml><?xml version="1.0" encoding="utf-8"?>
 <p:sld xmlns:a="http://schemas.openxmlformats.org/drawingml/2006/main" xmlns:r="http://schemas.openxmlformats.org/officeDocument/2006/relationships" xmlns:p="http://schemas.openxmlformats.org/presentationml/2006/main">
   <p:cSld>
+    <p:bg>
+      <p:bgPr>
+        <a:gradFill>
+          <a:gsLst>
+            <a:gs pos="0">
+              <a:schemeClr val="accent5">
+                <a:lumMod val="5000"/>
+                <a:lumOff val="95000"/>
+              </a:schemeClr>
+            </a:gs>
+            <a:gs pos="74000">
+              <a:schemeClr val="accent5">
+                <a:lumMod val="45000"/>
+                <a:lumOff val="55000"/>
+              </a:schemeClr>
+            </a:gs>
+            <a:gs pos="83000">
+              <a:schemeClr val="accent5">
+                <a:lumMod val="45000"/>
+                <a:lumOff val="55000"/>
+              </a:schemeClr>
+            </a:gs>
+            <a:gs pos="100000">
+              <a:schemeClr val="accent5">
+                <a:lumMod val="30000"/>
+                <a:lumOff val="70000"/>
+              </a:schemeClr>
+            </a:gs>
+          </a:gsLst>
+          <a:lin ang="5400000" scaled="1"/>
+        </a:gradFill>
+        <a:effectLst/>
+      </p:bgPr>
+    </p:bg>
     <p:spTree>
       <p:nvGrpSpPr>
         <p:cNvPr id="1" name=""/>
@@ -6461,9 +6700,8 @@
             </a:pathLst>
           </a:custGeom>
           <a:solidFill>
-            <a:schemeClr val="accent3">
-              <a:lumMod val="60000"/>
-              <a:lumOff val="40000"/>
+            <a:schemeClr val="accent1">
+              <a:lumMod val="75000"/>
             </a:schemeClr>
           </a:solidFill>
           <a:ln>
@@ -6728,7 +6966,9 @@
             </a:pathLst>
           </a:custGeom>
           <a:solidFill>
-            <a:srgbClr val="95BC49"/>
+            <a:schemeClr val="accent6">
+              <a:lumMod val="50000"/>
+            </a:schemeClr>
           </a:solidFill>
           <a:ln>
             <a:noFill/>
@@ -7076,7 +7316,7 @@
           <a:p>
             <a:pPr algn="ctr"/>
             <a:r>
-              <a:rPr lang="en-US" altLang="zh-CN" sz="2667" b="1">
+              <a:rPr lang="en-US" altLang="zh-CN" sz="2667" b="1" dirty="0">
                 <a:solidFill>
                   <a:schemeClr val="bg1"/>
                 </a:solidFill>
@@ -7116,7 +7356,7 @@
           <a:p>
             <a:pPr algn="ctr"/>
             <a:r>
-              <a:rPr lang="en-US" altLang="zh-CN" sz="2667" b="1">
+              <a:rPr lang="en-US" altLang="zh-CN" sz="2667" b="1" dirty="0">
                 <a:solidFill>
                   <a:schemeClr val="bg1"/>
                 </a:solidFill>
@@ -7156,7 +7396,7 @@
           <a:p>
             <a:pPr algn="ctr"/>
             <a:r>
-              <a:rPr lang="en-US" altLang="zh-CN" sz="2667" b="1">
+              <a:rPr lang="en-US" altLang="zh-CN" sz="2667" b="1" dirty="0">
                 <a:solidFill>
                   <a:schemeClr val="bg1"/>
                 </a:solidFill>
@@ -7196,7 +7436,7 @@
           <a:p>
             <a:pPr algn="ctr"/>
             <a:r>
-              <a:rPr lang="en-US" altLang="zh-CN" sz="2667" b="1">
+              <a:rPr lang="en-US" altLang="zh-CN" sz="2667" b="1" dirty="0">
                 <a:solidFill>
                   <a:schemeClr val="bg1"/>
                 </a:solidFill>
@@ -7355,9 +7595,8 @@
             <a:r>
               <a:rPr lang="zh-CN" altLang="en-US" sz="1867" b="1" dirty="0" smtClean="0">
                 <a:solidFill>
-                  <a:schemeClr val="accent3">
-                    <a:lumMod val="60000"/>
-                    <a:lumOff val="40000"/>
+                  <a:schemeClr val="accent1">
+                    <a:lumMod val="75000"/>
                   </a:schemeClr>
                 </a:solidFill>
                 <a:latin typeface="+mj-ea"/>
@@ -7367,9 +7606,8 @@
             </a:r>
             <a:endParaRPr lang="en-US" altLang="zh-CN" sz="1867" b="1" dirty="0">
               <a:solidFill>
-                <a:schemeClr val="accent3">
-                  <a:lumMod val="60000"/>
-                  <a:lumOff val="40000"/>
+                <a:schemeClr val="accent1">
+                  <a:lumMod val="75000"/>
                 </a:schemeClr>
               </a:solidFill>
               <a:latin typeface="+mj-ea"/>
@@ -7524,14 +7762,18 @@
             <a:r>
               <a:rPr lang="zh-CN" altLang="en-US" dirty="0" smtClean="0">
                 <a:solidFill>
-                  <a:srgbClr val="92D050"/>
+                  <a:schemeClr val="accent6">
+                    <a:lumMod val="75000"/>
+                  </a:schemeClr>
                 </a:solidFill>
               </a:rPr>
               <a:t>后台电影管理</a:t>
             </a:r>
             <a:endParaRPr lang="zh-CN" altLang="en-US" dirty="0">
               <a:solidFill>
-                <a:srgbClr val="92D050"/>
+                <a:schemeClr val="accent6">
+                  <a:lumMod val="75000"/>
+                </a:schemeClr>
               </a:solidFill>
             </a:endParaRPr>
           </a:p>
@@ -7553,9 +7795,590 @@
   <p:timing>
     <p:tnLst>
       <p:par>
-        <p:cTn id="1" dur="indefinite" restart="never" nodeType="tmRoot"/>
+        <p:cTn id="1" dur="indefinite" restart="never" nodeType="tmRoot">
+          <p:childTnLst>
+            <p:seq concurrent="1" nextAc="seek">
+              <p:cTn id="2" dur="indefinite" nodeType="mainSeq">
+                <p:childTnLst>
+                  <p:par>
+                    <p:cTn id="3" fill="hold">
+                      <p:stCondLst>
+                        <p:cond delay="indefinite"/>
+                      </p:stCondLst>
+                      <p:childTnLst>
+                        <p:par>
+                          <p:cTn id="4" fill="hold">
+                            <p:stCondLst>
+                              <p:cond delay="0"/>
+                            </p:stCondLst>
+                            <p:childTnLst>
+                              <p:par>
+                                <p:cTn id="5" presetID="1" presetClass="entr" presetSubtype="0" fill="hold" grpId="0" nodeType="clickEffect">
+                                  <p:stCondLst>
+                                    <p:cond delay="0"/>
+                                  </p:stCondLst>
+                                  <p:childTnLst>
+                                    <p:set>
+                                      <p:cBhvr>
+                                        <p:cTn id="6" dur="1" fill="hold">
+                                          <p:stCondLst>
+                                            <p:cond delay="0"/>
+                                          </p:stCondLst>
+                                        </p:cTn>
+                                        <p:tgtEl>
+                                          <p:spTgt spid="63"/>
+                                        </p:tgtEl>
+                                        <p:attrNameLst>
+                                          <p:attrName>style.visibility</p:attrName>
+                                        </p:attrNameLst>
+                                      </p:cBhvr>
+                                      <p:to>
+                                        <p:strVal val="visible"/>
+                                      </p:to>
+                                    </p:set>
+                                  </p:childTnLst>
+                                </p:cTn>
+                              </p:par>
+                              <p:par>
+                                <p:cTn id="7" presetID="1" presetClass="entr" presetSubtype="0" fill="hold" grpId="0" nodeType="withEffect">
+                                  <p:stCondLst>
+                                    <p:cond delay="0"/>
+                                  </p:stCondLst>
+                                  <p:childTnLst>
+                                    <p:set>
+                                      <p:cBhvr>
+                                        <p:cTn id="8" dur="1" fill="hold">
+                                          <p:stCondLst>
+                                            <p:cond delay="0"/>
+                                          </p:stCondLst>
+                                        </p:cTn>
+                                        <p:tgtEl>
+                                          <p:spTgt spid="29"/>
+                                        </p:tgtEl>
+                                        <p:attrNameLst>
+                                          <p:attrName>style.visibility</p:attrName>
+                                        </p:attrNameLst>
+                                      </p:cBhvr>
+                                      <p:to>
+                                        <p:strVal val="visible"/>
+                                      </p:to>
+                                    </p:set>
+                                  </p:childTnLst>
+                                </p:cTn>
+                              </p:par>
+                              <p:par>
+                                <p:cTn id="9" presetID="1" presetClass="entr" presetSubtype="0" fill="hold" grpId="0" nodeType="withEffect">
+                                  <p:stCondLst>
+                                    <p:cond delay="0"/>
+                                  </p:stCondLst>
+                                  <p:childTnLst>
+                                    <p:set>
+                                      <p:cBhvr>
+                                        <p:cTn id="10" dur="1" fill="hold">
+                                          <p:stCondLst>
+                                            <p:cond delay="0"/>
+                                          </p:stCondLst>
+                                        </p:cTn>
+                                        <p:tgtEl>
+                                          <p:spTgt spid="56"/>
+                                        </p:tgtEl>
+                                        <p:attrNameLst>
+                                          <p:attrName>style.visibility</p:attrName>
+                                        </p:attrNameLst>
+                                      </p:cBhvr>
+                                      <p:to>
+                                        <p:strVal val="visible"/>
+                                      </p:to>
+                                    </p:set>
+                                  </p:childTnLst>
+                                </p:cTn>
+                              </p:par>
+                            </p:childTnLst>
+                          </p:cTn>
+                        </p:par>
+                      </p:childTnLst>
+                    </p:cTn>
+                  </p:par>
+                  <p:par>
+                    <p:cTn id="11" fill="hold">
+                      <p:stCondLst>
+                        <p:cond delay="indefinite"/>
+                      </p:stCondLst>
+                      <p:childTnLst>
+                        <p:par>
+                          <p:cTn id="12" fill="hold">
+                            <p:stCondLst>
+                              <p:cond delay="0"/>
+                            </p:stCondLst>
+                            <p:childTnLst>
+                              <p:par>
+                                <p:cTn id="13" presetID="1" presetClass="entr" presetSubtype="0" fill="hold" grpId="0" nodeType="clickEffect">
+                                  <p:stCondLst>
+                                    <p:cond delay="0"/>
+                                  </p:stCondLst>
+                                  <p:childTnLst>
+                                    <p:set>
+                                      <p:cBhvr>
+                                        <p:cTn id="14" dur="1" fill="hold">
+                                          <p:stCondLst>
+                                            <p:cond delay="0"/>
+                                          </p:stCondLst>
+                                        </p:cTn>
+                                        <p:tgtEl>
+                                          <p:spTgt spid="57"/>
+                                        </p:tgtEl>
+                                        <p:attrNameLst>
+                                          <p:attrName>style.visibility</p:attrName>
+                                        </p:attrNameLst>
+                                      </p:cBhvr>
+                                      <p:to>
+                                        <p:strVal val="visible"/>
+                                      </p:to>
+                                    </p:set>
+                                  </p:childTnLst>
+                                </p:cTn>
+                              </p:par>
+                              <p:par>
+                                <p:cTn id="15" presetID="1" presetClass="entr" presetSubtype="0" fill="hold" grpId="0" nodeType="withEffect">
+                                  <p:stCondLst>
+                                    <p:cond delay="0"/>
+                                  </p:stCondLst>
+                                  <p:childTnLst>
+                                    <p:set>
+                                      <p:cBhvr>
+                                        <p:cTn id="16" dur="1" fill="hold">
+                                          <p:stCondLst>
+                                            <p:cond delay="0"/>
+                                          </p:stCondLst>
+                                        </p:cTn>
+                                        <p:tgtEl>
+                                          <p:spTgt spid="30"/>
+                                        </p:tgtEl>
+                                        <p:attrNameLst>
+                                          <p:attrName>style.visibility</p:attrName>
+                                        </p:attrNameLst>
+                                      </p:cBhvr>
+                                      <p:to>
+                                        <p:strVal val="visible"/>
+                                      </p:to>
+                                    </p:set>
+                                  </p:childTnLst>
+                                </p:cTn>
+                              </p:par>
+                              <p:par>
+                                <p:cTn id="17" presetID="1" presetClass="entr" presetSubtype="0" fill="hold" grpId="0" nodeType="withEffect">
+                                  <p:stCondLst>
+                                    <p:cond delay="0"/>
+                                  </p:stCondLst>
+                                  <p:childTnLst>
+                                    <p:set>
+                                      <p:cBhvr>
+                                        <p:cTn id="18" dur="1" fill="hold">
+                                          <p:stCondLst>
+                                            <p:cond delay="0"/>
+                                          </p:stCondLst>
+                                        </p:cTn>
+                                        <p:tgtEl>
+                                          <p:spTgt spid="67"/>
+                                        </p:tgtEl>
+                                        <p:attrNameLst>
+                                          <p:attrName>style.visibility</p:attrName>
+                                        </p:attrNameLst>
+                                      </p:cBhvr>
+                                      <p:to>
+                                        <p:strVal val="visible"/>
+                                      </p:to>
+                                    </p:set>
+                                  </p:childTnLst>
+                                </p:cTn>
+                              </p:par>
+                            </p:childTnLst>
+                          </p:cTn>
+                        </p:par>
+                      </p:childTnLst>
+                    </p:cTn>
+                  </p:par>
+                  <p:par>
+                    <p:cTn id="19" fill="hold">
+                      <p:stCondLst>
+                        <p:cond delay="indefinite"/>
+                      </p:stCondLst>
+                      <p:childTnLst>
+                        <p:par>
+                          <p:cTn id="20" fill="hold">
+                            <p:stCondLst>
+                              <p:cond delay="0"/>
+                            </p:stCondLst>
+                            <p:childTnLst>
+                              <p:par>
+                                <p:cTn id="21" presetID="1" presetClass="entr" presetSubtype="0" fill="hold" grpId="0" nodeType="clickEffect">
+                                  <p:stCondLst>
+                                    <p:cond delay="0"/>
+                                  </p:stCondLst>
+                                  <p:childTnLst>
+                                    <p:set>
+                                      <p:cBhvr>
+                                        <p:cTn id="22" dur="1" fill="hold">
+                                          <p:stCondLst>
+                                            <p:cond delay="0"/>
+                                          </p:stCondLst>
+                                        </p:cTn>
+                                        <p:tgtEl>
+                                          <p:spTgt spid="4"/>
+                                        </p:tgtEl>
+                                        <p:attrNameLst>
+                                          <p:attrName>style.visibility</p:attrName>
+                                        </p:attrNameLst>
+                                      </p:cBhvr>
+                                      <p:to>
+                                        <p:strVal val="visible"/>
+                                      </p:to>
+                                    </p:set>
+                                  </p:childTnLst>
+                                </p:cTn>
+                              </p:par>
+                              <p:par>
+                                <p:cTn id="23" presetID="1" presetClass="entr" presetSubtype="0" fill="hold" grpId="0" nodeType="withEffect">
+                                  <p:stCondLst>
+                                    <p:cond delay="0"/>
+                                  </p:stCondLst>
+                                  <p:childTnLst>
+                                    <p:set>
+                                      <p:cBhvr>
+                                        <p:cTn id="24" dur="1" fill="hold">
+                                          <p:stCondLst>
+                                            <p:cond delay="0"/>
+                                          </p:stCondLst>
+                                        </p:cTn>
+                                        <p:tgtEl>
+                                          <p:spTgt spid="59"/>
+                                        </p:tgtEl>
+                                        <p:attrNameLst>
+                                          <p:attrName>style.visibility</p:attrName>
+                                        </p:attrNameLst>
+                                      </p:cBhvr>
+                                      <p:to>
+                                        <p:strVal val="visible"/>
+                                      </p:to>
+                                    </p:set>
+                                  </p:childTnLst>
+                                </p:cTn>
+                              </p:par>
+                              <p:par>
+                                <p:cTn id="25" presetID="1" presetClass="entr" presetSubtype="0" fill="hold" grpId="0" nodeType="withEffect">
+                                  <p:stCondLst>
+                                    <p:cond delay="0"/>
+                                  </p:stCondLst>
+                                  <p:childTnLst>
+                                    <p:set>
+                                      <p:cBhvr>
+                                        <p:cTn id="26" dur="1" fill="hold">
+                                          <p:stCondLst>
+                                            <p:cond delay="0"/>
+                                          </p:stCondLst>
+                                        </p:cTn>
+                                        <p:tgtEl>
+                                          <p:spTgt spid="31"/>
+                                        </p:tgtEl>
+                                        <p:attrNameLst>
+                                          <p:attrName>style.visibility</p:attrName>
+                                        </p:attrNameLst>
+                                      </p:cBhvr>
+                                      <p:to>
+                                        <p:strVal val="visible"/>
+                                      </p:to>
+                                    </p:set>
+                                  </p:childTnLst>
+                                </p:cTn>
+                              </p:par>
+                            </p:childTnLst>
+                          </p:cTn>
+                        </p:par>
+                      </p:childTnLst>
+                    </p:cTn>
+                  </p:par>
+                  <p:par>
+                    <p:cTn id="27" fill="hold">
+                      <p:stCondLst>
+                        <p:cond delay="indefinite"/>
+                      </p:stCondLst>
+                      <p:childTnLst>
+                        <p:par>
+                          <p:cTn id="28" fill="hold">
+                            <p:stCondLst>
+                              <p:cond delay="0"/>
+                            </p:stCondLst>
+                            <p:childTnLst>
+                              <p:par>
+                                <p:cTn id="29" presetID="1" presetClass="entr" presetSubtype="0" fill="hold" grpId="0" nodeType="clickEffect">
+                                  <p:stCondLst>
+                                    <p:cond delay="0"/>
+                                  </p:stCondLst>
+                                  <p:childTnLst>
+                                    <p:set>
+                                      <p:cBhvr>
+                                        <p:cTn id="30" dur="1" fill="hold">
+                                          <p:stCondLst>
+                                            <p:cond delay="0"/>
+                                          </p:stCondLst>
+                                        </p:cTn>
+                                        <p:tgtEl>
+                                          <p:spTgt spid="54"/>
+                                        </p:tgtEl>
+                                        <p:attrNameLst>
+                                          <p:attrName>style.visibility</p:attrName>
+                                        </p:attrNameLst>
+                                      </p:cBhvr>
+                                      <p:to>
+                                        <p:strVal val="visible"/>
+                                      </p:to>
+                                    </p:set>
+                                  </p:childTnLst>
+                                </p:cTn>
+                              </p:par>
+                              <p:par>
+                                <p:cTn id="31" presetID="1" presetClass="entr" presetSubtype="0" fill="hold" grpId="0" nodeType="withEffect">
+                                  <p:stCondLst>
+                                    <p:cond delay="0"/>
+                                  </p:stCondLst>
+                                  <p:childTnLst>
+                                    <p:set>
+                                      <p:cBhvr>
+                                        <p:cTn id="32" dur="1" fill="hold">
+                                          <p:stCondLst>
+                                            <p:cond delay="0"/>
+                                          </p:stCondLst>
+                                        </p:cTn>
+                                        <p:tgtEl>
+                                          <p:spTgt spid="60"/>
+                                        </p:tgtEl>
+                                        <p:attrNameLst>
+                                          <p:attrName>style.visibility</p:attrName>
+                                        </p:attrNameLst>
+                                      </p:cBhvr>
+                                      <p:to>
+                                        <p:strVal val="visible"/>
+                                      </p:to>
+                                    </p:set>
+                                  </p:childTnLst>
+                                </p:cTn>
+                              </p:par>
+                              <p:par>
+                                <p:cTn id="33" presetID="1" presetClass="entr" presetSubtype="0" fill="hold" grpId="0" nodeType="withEffect">
+                                  <p:stCondLst>
+                                    <p:cond delay="0"/>
+                                  </p:stCondLst>
+                                  <p:childTnLst>
+                                    <p:set>
+                                      <p:cBhvr>
+                                        <p:cTn id="34" dur="1" fill="hold">
+                                          <p:stCondLst>
+                                            <p:cond delay="0"/>
+                                          </p:stCondLst>
+                                        </p:cTn>
+                                        <p:tgtEl>
+                                          <p:spTgt spid="71"/>
+                                        </p:tgtEl>
+                                        <p:attrNameLst>
+                                          <p:attrName>style.visibility</p:attrName>
+                                        </p:attrNameLst>
+                                      </p:cBhvr>
+                                      <p:to>
+                                        <p:strVal val="visible"/>
+                                      </p:to>
+                                    </p:set>
+                                  </p:childTnLst>
+                                </p:cTn>
+                              </p:par>
+                            </p:childTnLst>
+                          </p:cTn>
+                        </p:par>
+                      </p:childTnLst>
+                    </p:cTn>
+                  </p:par>
+                  <p:par>
+                    <p:cTn id="35" fill="hold">
+                      <p:stCondLst>
+                        <p:cond delay="indefinite"/>
+                      </p:stCondLst>
+                      <p:childTnLst>
+                        <p:par>
+                          <p:cTn id="36" fill="hold">
+                            <p:stCondLst>
+                              <p:cond delay="0"/>
+                            </p:stCondLst>
+                            <p:childTnLst>
+                              <p:par>
+                                <p:cTn id="37" presetID="1" presetClass="entr" presetSubtype="0" fill="hold" grpId="0" nodeType="clickEffect">
+                                  <p:stCondLst>
+                                    <p:cond delay="0"/>
+                                  </p:stCondLst>
+                                  <p:childTnLst>
+                                    <p:set>
+                                      <p:cBhvr>
+                                        <p:cTn id="38" dur="1" fill="hold">
+                                          <p:stCondLst>
+                                            <p:cond delay="0"/>
+                                          </p:stCondLst>
+                                        </p:cTn>
+                                        <p:tgtEl>
+                                          <p:spTgt spid="58"/>
+                                        </p:tgtEl>
+                                        <p:attrNameLst>
+                                          <p:attrName>style.visibility</p:attrName>
+                                        </p:attrNameLst>
+                                      </p:cBhvr>
+                                      <p:to>
+                                        <p:strVal val="visible"/>
+                                      </p:to>
+                                    </p:set>
+                                  </p:childTnLst>
+                                </p:cTn>
+                              </p:par>
+                              <p:par>
+                                <p:cTn id="39" presetID="1" presetClass="entr" presetSubtype="0" fill="hold" grpId="0" nodeType="withEffect">
+                                  <p:stCondLst>
+                                    <p:cond delay="0"/>
+                                  </p:stCondLst>
+                                  <p:childTnLst>
+                                    <p:set>
+                                      <p:cBhvr>
+                                        <p:cTn id="40" dur="1" fill="hold">
+                                          <p:stCondLst>
+                                            <p:cond delay="0"/>
+                                          </p:stCondLst>
+                                        </p:cTn>
+                                        <p:tgtEl>
+                                          <p:spTgt spid="55"/>
+                                        </p:tgtEl>
+                                        <p:attrNameLst>
+                                          <p:attrName>style.visibility</p:attrName>
+                                        </p:attrNameLst>
+                                      </p:cBhvr>
+                                      <p:to>
+                                        <p:strVal val="visible"/>
+                                      </p:to>
+                                    </p:set>
+                                  </p:childTnLst>
+                                </p:cTn>
+                              </p:par>
+                              <p:par>
+                                <p:cTn id="41" presetID="1" presetClass="entr" presetSubtype="0" fill="hold" grpId="0" nodeType="withEffect">
+                                  <p:stCondLst>
+                                    <p:cond delay="0"/>
+                                  </p:stCondLst>
+                                  <p:childTnLst>
+                                    <p:set>
+                                      <p:cBhvr>
+                                        <p:cTn id="42" dur="1" fill="hold">
+                                          <p:stCondLst>
+                                            <p:cond delay="0"/>
+                                          </p:stCondLst>
+                                        </p:cTn>
+                                        <p:tgtEl>
+                                          <p:spTgt spid="65"/>
+                                        </p:tgtEl>
+                                        <p:attrNameLst>
+                                          <p:attrName>style.visibility</p:attrName>
+                                        </p:attrNameLst>
+                                      </p:cBhvr>
+                                      <p:to>
+                                        <p:strVal val="visible"/>
+                                      </p:to>
+                                    </p:set>
+                                  </p:childTnLst>
+                                </p:cTn>
+                              </p:par>
+                            </p:childTnLst>
+                          </p:cTn>
+                        </p:par>
+                      </p:childTnLst>
+                    </p:cTn>
+                  </p:par>
+                  <p:par>
+                    <p:cTn id="43" fill="hold">
+                      <p:stCondLst>
+                        <p:cond delay="indefinite"/>
+                      </p:stCondLst>
+                      <p:childTnLst>
+                        <p:par>
+                          <p:cTn id="44" fill="hold">
+                            <p:stCondLst>
+                              <p:cond delay="0"/>
+                            </p:stCondLst>
+                            <p:childTnLst>
+                              <p:par>
+                                <p:cTn id="45" presetID="1" presetClass="entr" presetSubtype="0" fill="hold" grpId="0" nodeType="clickEffect">
+                                  <p:stCondLst>
+                                    <p:cond delay="0"/>
+                                  </p:stCondLst>
+                                  <p:childTnLst>
+                                    <p:set>
+                                      <p:cBhvr>
+                                        <p:cTn id="46" dur="1" fill="hold">
+                                          <p:stCondLst>
+                                            <p:cond delay="0"/>
+                                          </p:stCondLst>
+                                        </p:cTn>
+                                        <p:tgtEl>
+                                          <p:spTgt spid="61"/>
+                                        </p:tgtEl>
+                                        <p:attrNameLst>
+                                          <p:attrName>style.visibility</p:attrName>
+                                        </p:attrNameLst>
+                                      </p:cBhvr>
+                                      <p:to>
+                                        <p:strVal val="visible"/>
+                                      </p:to>
+                                    </p:set>
+                                  </p:childTnLst>
+                                </p:cTn>
+                              </p:par>
+                            </p:childTnLst>
+                          </p:cTn>
+                        </p:par>
+                      </p:childTnLst>
+                    </p:cTn>
+                  </p:par>
+                </p:childTnLst>
+              </p:cTn>
+              <p:prevCondLst>
+                <p:cond evt="onPrev" delay="0">
+                  <p:tgtEl>
+                    <p:sldTgt/>
+                  </p:tgtEl>
+                </p:cond>
+              </p:prevCondLst>
+              <p:nextCondLst>
+                <p:cond evt="onNext" delay="0">
+                  <p:tgtEl>
+                    <p:sldTgt/>
+                  </p:tgtEl>
+                </p:cond>
+              </p:nextCondLst>
+            </p:seq>
+          </p:childTnLst>
+        </p:cTn>
       </p:par>
     </p:tnLst>
+    <p:bldLst>
+      <p:bldP spid="29" grpId="0" animBg="1"/>
+      <p:bldP spid="30" grpId="0" animBg="1"/>
+      <p:bldP spid="31" grpId="0" animBg="1"/>
+      <p:bldP spid="54" grpId="0" animBg="1"/>
+      <p:bldP spid="55" grpId="0" animBg="1"/>
+      <p:bldP spid="56" grpId="0"/>
+      <p:bldP spid="57" grpId="0"/>
+      <p:bldP spid="58" grpId="0"/>
+      <p:bldP spid="59" grpId="0"/>
+      <p:bldP spid="60" grpId="0"/>
+      <p:bldP spid="61" grpId="0"/>
+      <p:bldP spid="63" grpId="0"/>
+      <p:bldP spid="65" grpId="0"/>
+      <p:bldP spid="67" grpId="0"/>
+      <p:bldP spid="71" grpId="0"/>
+      <p:bldP spid="4" grpId="0"/>
+    </p:bldLst>
   </p:timing>
 </p:sld>
 </file>
@@ -7563,6 +8386,40 @@
 <file path=ppt/slides/slide5.xml><?xml version="1.0" encoding="utf-8"?>
 <p:sld xmlns:a="http://schemas.openxmlformats.org/drawingml/2006/main" xmlns:r="http://schemas.openxmlformats.org/officeDocument/2006/relationships" xmlns:p="http://schemas.openxmlformats.org/presentationml/2006/main">
   <p:cSld>
+    <p:bg>
+      <p:bgPr>
+        <a:gradFill>
+          <a:gsLst>
+            <a:gs pos="0">
+              <a:schemeClr val="accent5">
+                <a:lumMod val="5000"/>
+                <a:lumOff val="95000"/>
+              </a:schemeClr>
+            </a:gs>
+            <a:gs pos="74000">
+              <a:schemeClr val="accent5">
+                <a:lumMod val="45000"/>
+                <a:lumOff val="55000"/>
+              </a:schemeClr>
+            </a:gs>
+            <a:gs pos="83000">
+              <a:schemeClr val="accent5">
+                <a:lumMod val="45000"/>
+                <a:lumOff val="55000"/>
+              </a:schemeClr>
+            </a:gs>
+            <a:gs pos="100000">
+              <a:schemeClr val="accent5">
+                <a:lumMod val="30000"/>
+                <a:lumOff val="70000"/>
+              </a:schemeClr>
+            </a:gs>
+          </a:gsLst>
+          <a:lin ang="5400000" scaled="1"/>
+        </a:gradFill>
+        <a:effectLst/>
+      </p:bgPr>
+    </p:bg>
     <p:spTree>
       <p:nvGrpSpPr>
         <p:cNvPr id="1" name=""/>
@@ -7744,6 +8601,40 @@
 <file path=ppt/slides/slide6.xml><?xml version="1.0" encoding="utf-8"?>
 <p:sld xmlns:a="http://schemas.openxmlformats.org/drawingml/2006/main" xmlns:r="http://schemas.openxmlformats.org/officeDocument/2006/relationships" xmlns:p="http://schemas.openxmlformats.org/presentationml/2006/main">
   <p:cSld>
+    <p:bg>
+      <p:bgPr>
+        <a:gradFill>
+          <a:gsLst>
+            <a:gs pos="0">
+              <a:schemeClr val="accent5">
+                <a:lumMod val="5000"/>
+                <a:lumOff val="95000"/>
+              </a:schemeClr>
+            </a:gs>
+            <a:gs pos="74000">
+              <a:schemeClr val="accent5">
+                <a:lumMod val="45000"/>
+                <a:lumOff val="55000"/>
+              </a:schemeClr>
+            </a:gs>
+            <a:gs pos="83000">
+              <a:schemeClr val="accent5">
+                <a:lumMod val="45000"/>
+                <a:lumOff val="55000"/>
+              </a:schemeClr>
+            </a:gs>
+            <a:gs pos="100000">
+              <a:schemeClr val="accent5">
+                <a:lumMod val="30000"/>
+                <a:lumOff val="70000"/>
+              </a:schemeClr>
+            </a:gs>
+          </a:gsLst>
+          <a:lin ang="5400000" scaled="1"/>
+        </a:gradFill>
+        <a:effectLst/>
+      </p:bgPr>
+    </p:bg>
     <p:spTree>
       <p:nvGrpSpPr>
         <p:cNvPr id="1" name=""/>
@@ -7771,6 +8662,11 @@
             <a:chOff x="3707904" y="1851670"/>
             <a:chExt cx="612068" cy="612068"/>
           </a:xfrm>
+          <a:solidFill>
+            <a:schemeClr val="accent1">
+              <a:lumMod val="75000"/>
+            </a:schemeClr>
+          </a:solidFill>
         </p:grpSpPr>
         <p:sp>
           <p:nvSpPr>
@@ -7786,11 +8682,7 @@
             <a:prstGeom prst="ellipse">
               <a:avLst/>
             </a:prstGeom>
-            <a:solidFill>
-              <a:schemeClr val="bg2">
-                <a:lumMod val="90000"/>
-              </a:schemeClr>
-            </a:solidFill>
+            <a:grpFill/>
             <a:ln>
               <a:noFill/>
             </a:ln>
@@ -7834,7 +8726,7 @@
             <a:prstGeom prst="rect">
               <a:avLst/>
             </a:prstGeom>
-            <a:noFill/>
+            <a:grpFill/>
           </p:spPr>
           <p:txBody>
             <a:bodyPr wrap="none" rtlCol="0">
@@ -7884,8 +8776,8 @@
             <a:r>
               <a:rPr lang="zh-CN" altLang="en-US" sz="2400" b="1" dirty="0" smtClean="0">
                 <a:solidFill>
-                  <a:schemeClr val="bg1">
-                    <a:lumMod val="65000"/>
+                  <a:schemeClr val="accent1">
+                    <a:lumMod val="75000"/>
                   </a:schemeClr>
                 </a:solidFill>
                 <a:latin typeface="+mj-ea"/>
@@ -7896,8 +8788,8 @@
             <a:r>
               <a:rPr lang="en-US" altLang="zh-CN" sz="2400" b="1" dirty="0" smtClean="0">
                 <a:solidFill>
-                  <a:schemeClr val="bg1">
-                    <a:lumMod val="65000"/>
+                  <a:schemeClr val="accent1">
+                    <a:lumMod val="75000"/>
                   </a:schemeClr>
                 </a:solidFill>
                 <a:latin typeface="+mj-ea"/>
@@ -7908,8 +8800,8 @@
             <a:r>
               <a:rPr lang="zh-CN" altLang="en-US" sz="2400" b="1" dirty="0" smtClean="0">
                 <a:solidFill>
-                  <a:schemeClr val="bg1">
-                    <a:lumMod val="65000"/>
+                  <a:schemeClr val="accent1">
+                    <a:lumMod val="75000"/>
                   </a:schemeClr>
                 </a:solidFill>
                 <a:latin typeface="+mj-ea"/>
@@ -7919,8 +8811,8 @@
             </a:r>
             <a:endParaRPr lang="en-US" altLang="zh-CN" sz="2400" b="1" dirty="0">
               <a:solidFill>
-                <a:schemeClr val="bg1">
-                  <a:lumMod val="65000"/>
+                <a:schemeClr val="accent1">
+                  <a:lumMod val="75000"/>
                 </a:schemeClr>
               </a:solidFill>
               <a:latin typeface="+mj-ea"/>
@@ -7946,8 +8838,8 @@
           <a:noFill/>
           <a:ln>
             <a:solidFill>
-              <a:schemeClr val="bg1">
-                <a:lumMod val="65000"/>
+              <a:schemeClr val="accent1">
+                <a:lumMod val="75000"/>
               </a:schemeClr>
             </a:solidFill>
           </a:ln>
@@ -7980,17 +8872,27 @@
             <a:r>
               <a:rPr lang="zh-CN" altLang="en-US" dirty="0" smtClean="0">
                 <a:solidFill>
-                  <a:schemeClr val="bg1">
-                    <a:lumMod val="50000"/>
+                  <a:schemeClr val="accent1">
+                    <a:lumMod val="75000"/>
                   </a:schemeClr>
                 </a:solidFill>
               </a:rPr>
-              <a:t>‘影视资讯’页面</a:t>
+              <a:t>‘影视资讯’</a:t>
+            </a:r>
+            <a:r>
+              <a:rPr lang="zh-CN" altLang="en-US" dirty="0" smtClean="0">
+                <a:solidFill>
+                  <a:schemeClr val="accent1">
+                    <a:lumMod val="75000"/>
+                  </a:schemeClr>
+                </a:solidFill>
+              </a:rPr>
+              <a:t>页面</a:t>
             </a:r>
             <a:endParaRPr lang="en-US" altLang="zh-CN" dirty="0" smtClean="0">
               <a:solidFill>
-                <a:schemeClr val="bg1">
-                  <a:lumMod val="50000"/>
+                <a:schemeClr val="accent1">
+                  <a:lumMod val="75000"/>
                 </a:schemeClr>
               </a:solidFill>
             </a:endParaRPr>
@@ -8004,8 +8906,8 @@
             <a:r>
               <a:rPr lang="zh-CN" altLang="en-US" dirty="0" smtClean="0">
                 <a:solidFill>
-                  <a:schemeClr val="bg1">
-                    <a:lumMod val="50000"/>
+                  <a:schemeClr val="accent1">
+                    <a:lumMod val="75000"/>
                   </a:schemeClr>
                 </a:solidFill>
               </a:rPr>
@@ -8013,8 +8915,8 @@
             </a:r>
             <a:endParaRPr lang="en-US" altLang="zh-CN" dirty="0" smtClean="0">
               <a:solidFill>
-                <a:schemeClr val="bg1">
-                  <a:lumMod val="50000"/>
+                <a:schemeClr val="accent1">
+                  <a:lumMod val="75000"/>
                 </a:schemeClr>
               </a:solidFill>
             </a:endParaRPr>
@@ -8028,17 +8930,27 @@
             <a:r>
               <a:rPr lang="zh-CN" altLang="en-US" dirty="0" smtClean="0">
                 <a:solidFill>
-                  <a:schemeClr val="bg1">
-                    <a:lumMod val="50000"/>
+                  <a:schemeClr val="accent1">
+                    <a:lumMod val="75000"/>
                   </a:schemeClr>
                 </a:solidFill>
               </a:rPr>
-              <a:t>    文章管理</a:t>
+              <a:t>    </a:t>
+            </a:r>
+            <a:r>
+              <a:rPr lang="zh-CN" altLang="en-US" dirty="0" smtClean="0">
+                <a:solidFill>
+                  <a:schemeClr val="accent1">
+                    <a:lumMod val="75000"/>
+                  </a:schemeClr>
+                </a:solidFill>
+              </a:rPr>
+              <a:t>文章管理</a:t>
             </a:r>
             <a:endParaRPr lang="en-US" altLang="zh-CN" dirty="0" smtClean="0">
               <a:solidFill>
-                <a:schemeClr val="bg1">
-                  <a:lumMod val="50000"/>
+                <a:schemeClr val="accent1">
+                  <a:lumMod val="75000"/>
                 </a:schemeClr>
               </a:solidFill>
             </a:endParaRPr>
@@ -8052,8 +8964,8 @@
             <a:r>
               <a:rPr lang="zh-CN" altLang="en-US" dirty="0" smtClean="0">
                 <a:solidFill>
-                  <a:schemeClr val="bg1">
-                    <a:lumMod val="50000"/>
+                  <a:schemeClr val="accent1">
+                    <a:lumMod val="75000"/>
                   </a:schemeClr>
                 </a:solidFill>
               </a:rPr>
@@ -8061,8 +8973,8 @@
             </a:r>
             <a:endParaRPr lang="en-US" altLang="zh-CN" dirty="0" smtClean="0">
               <a:solidFill>
-                <a:schemeClr val="bg1">
-                  <a:lumMod val="50000"/>
+                <a:schemeClr val="accent1">
+                  <a:lumMod val="75000"/>
                 </a:schemeClr>
               </a:solidFill>
             </a:endParaRPr>
@@ -8076,8 +8988,8 @@
             <a:r>
               <a:rPr lang="zh-CN" altLang="en-US" dirty="0" smtClean="0">
                 <a:solidFill>
-                  <a:schemeClr val="bg1">
-                    <a:lumMod val="50000"/>
+                  <a:schemeClr val="accent1">
+                    <a:lumMod val="75000"/>
                   </a:schemeClr>
                 </a:solidFill>
               </a:rPr>
@@ -8085,8 +8997,8 @@
             </a:r>
             <a:endParaRPr lang="en-US" altLang="zh-CN" dirty="0" smtClean="0">
               <a:solidFill>
-                <a:schemeClr val="bg1">
-                  <a:lumMod val="50000"/>
+                <a:schemeClr val="accent1">
+                  <a:lumMod val="75000"/>
                 </a:schemeClr>
               </a:solidFill>
             </a:endParaRPr>
@@ -8100,8 +9012,8 @@
             <a:r>
               <a:rPr lang="zh-CN" altLang="en-US" dirty="0" smtClean="0">
                 <a:solidFill>
-                  <a:schemeClr val="bg1">
-                    <a:lumMod val="50000"/>
+                  <a:schemeClr val="accent1">
+                    <a:lumMod val="75000"/>
                   </a:schemeClr>
                 </a:solidFill>
               </a:rPr>
@@ -8109,8 +9021,8 @@
             </a:r>
             <a:endParaRPr lang="zh-CN" altLang="en-US" dirty="0">
               <a:solidFill>
-                <a:schemeClr val="bg1">
-                  <a:lumMod val="50000"/>
+                <a:schemeClr val="accent1">
+                  <a:lumMod val="75000"/>
                 </a:schemeClr>
               </a:solidFill>
             </a:endParaRPr>
@@ -8143,6 +9055,40 @@
 <file path=ppt/slides/slide7.xml><?xml version="1.0" encoding="utf-8"?>
 <p:sld xmlns:a="http://schemas.openxmlformats.org/drawingml/2006/main" xmlns:r="http://schemas.openxmlformats.org/officeDocument/2006/relationships" xmlns:p="http://schemas.openxmlformats.org/presentationml/2006/main">
   <p:cSld>
+    <p:bg>
+      <p:bgPr>
+        <a:gradFill>
+          <a:gsLst>
+            <a:gs pos="0">
+              <a:schemeClr val="accent5">
+                <a:lumMod val="5000"/>
+                <a:lumOff val="95000"/>
+              </a:schemeClr>
+            </a:gs>
+            <a:gs pos="74000">
+              <a:schemeClr val="accent5">
+                <a:lumMod val="45000"/>
+                <a:lumOff val="55000"/>
+              </a:schemeClr>
+            </a:gs>
+            <a:gs pos="83000">
+              <a:schemeClr val="accent5">
+                <a:lumMod val="45000"/>
+                <a:lumOff val="55000"/>
+              </a:schemeClr>
+            </a:gs>
+            <a:gs pos="100000">
+              <a:schemeClr val="accent5">
+                <a:lumMod val="30000"/>
+                <a:lumOff val="70000"/>
+              </a:schemeClr>
+            </a:gs>
+          </a:gsLst>
+          <a:lin ang="5400000" scaled="1"/>
+        </a:gradFill>
+        <a:effectLst/>
+      </p:bgPr>
+    </p:bg>
     <p:spTree>
       <p:nvGrpSpPr>
         <p:cNvPr id="1" name=""/>
@@ -8561,6 +9507,40 @@
 <file path=ppt/slides/slide8.xml><?xml version="1.0" encoding="utf-8"?>
 <p:sld xmlns:a="http://schemas.openxmlformats.org/drawingml/2006/main" xmlns:r="http://schemas.openxmlformats.org/officeDocument/2006/relationships" xmlns:p="http://schemas.openxmlformats.org/presentationml/2006/main">
   <p:cSld>
+    <p:bg>
+      <p:bgPr>
+        <a:gradFill>
+          <a:gsLst>
+            <a:gs pos="0">
+              <a:schemeClr val="accent5">
+                <a:lumMod val="5000"/>
+                <a:lumOff val="95000"/>
+              </a:schemeClr>
+            </a:gs>
+            <a:gs pos="74000">
+              <a:schemeClr val="accent5">
+                <a:lumMod val="45000"/>
+                <a:lumOff val="55000"/>
+              </a:schemeClr>
+            </a:gs>
+            <a:gs pos="83000">
+              <a:schemeClr val="accent5">
+                <a:lumMod val="45000"/>
+                <a:lumOff val="55000"/>
+              </a:schemeClr>
+            </a:gs>
+            <a:gs pos="100000">
+              <a:schemeClr val="accent5">
+                <a:lumMod val="30000"/>
+                <a:lumOff val="70000"/>
+              </a:schemeClr>
+            </a:gs>
+          </a:gsLst>
+          <a:lin ang="5400000" scaled="1"/>
+        </a:gradFill>
+        <a:effectLst/>
+      </p:bgPr>
+    </p:bg>
     <p:spTree>
       <p:nvGrpSpPr>
         <p:cNvPr id="1" name=""/>
@@ -8826,27 +9806,7 @@
                   </a:schemeClr>
                 </a:solidFill>
               </a:rPr>
-              <a:t>   影</a:t>
-            </a:r>
-            <a:r>
-              <a:rPr lang="zh-CN" altLang="en-US" dirty="0" smtClean="0">
-                <a:solidFill>
-                  <a:schemeClr val="accent6">
-                    <a:lumMod val="75000"/>
-                  </a:schemeClr>
-                </a:solidFill>
-              </a:rPr>
-              <a:t>厅</a:t>
-            </a:r>
-            <a:r>
-              <a:rPr lang="zh-CN" altLang="en-US" dirty="0" smtClean="0">
-                <a:solidFill>
-                  <a:schemeClr val="accent6">
-                    <a:lumMod val="75000"/>
-                  </a:schemeClr>
-                </a:solidFill>
-              </a:rPr>
-              <a:t>管理</a:t>
+              <a:t>   影厅管理</a:t>
             </a:r>
             <a:endParaRPr lang="en-US" altLang="zh-CN" dirty="0" smtClean="0">
               <a:solidFill>
@@ -8870,27 +9830,7 @@
                   </a:schemeClr>
                 </a:solidFill>
               </a:rPr>
-              <a:t>   影片</a:t>
-            </a:r>
-            <a:r>
-              <a:rPr lang="zh-CN" altLang="en-US" dirty="0" smtClean="0">
-                <a:solidFill>
-                  <a:schemeClr val="accent6">
-                    <a:lumMod val="75000"/>
-                  </a:schemeClr>
-                </a:solidFill>
-              </a:rPr>
-              <a:t>版本</a:t>
-            </a:r>
-            <a:r>
-              <a:rPr lang="zh-CN" altLang="en-US" dirty="0" smtClean="0">
-                <a:solidFill>
-                  <a:schemeClr val="accent6">
-                    <a:lumMod val="75000"/>
-                  </a:schemeClr>
-                </a:solidFill>
-              </a:rPr>
-              <a:t>管理</a:t>
+              <a:t>   影片版本管理</a:t>
             </a:r>
             <a:endParaRPr lang="en-US" altLang="zh-CN" dirty="0" smtClean="0">
               <a:solidFill>
@@ -8914,27 +9854,7 @@
                   </a:schemeClr>
                 </a:solidFill>
               </a:rPr>
-              <a:t>   影片</a:t>
-            </a:r>
-            <a:r>
-              <a:rPr lang="zh-CN" altLang="en-US" dirty="0" smtClean="0">
-                <a:solidFill>
-                  <a:schemeClr val="accent6">
-                    <a:lumMod val="75000"/>
-                  </a:schemeClr>
-                </a:solidFill>
-              </a:rPr>
-              <a:t>类型</a:t>
-            </a:r>
-            <a:r>
-              <a:rPr lang="zh-CN" altLang="en-US" dirty="0" smtClean="0">
-                <a:solidFill>
-                  <a:schemeClr val="accent6">
-                    <a:lumMod val="75000"/>
-                  </a:schemeClr>
-                </a:solidFill>
-              </a:rPr>
-              <a:t>管理</a:t>
+              <a:t>   影片类型管理</a:t>
             </a:r>
             <a:endParaRPr lang="en-US" altLang="zh-CN" dirty="0" smtClean="0">
               <a:solidFill>
@@ -8982,27 +9902,7 @@
                   </a:schemeClr>
                 </a:solidFill>
               </a:rPr>
-              <a:t>   影片</a:t>
-            </a:r>
-            <a:r>
-              <a:rPr lang="zh-CN" altLang="en-US" dirty="0" smtClean="0">
-                <a:solidFill>
-                  <a:schemeClr val="accent6">
-                    <a:lumMod val="75000"/>
-                  </a:schemeClr>
-                </a:solidFill>
-              </a:rPr>
-              <a:t>评论</a:t>
-            </a:r>
-            <a:r>
-              <a:rPr lang="zh-CN" altLang="en-US" dirty="0" smtClean="0">
-                <a:solidFill>
-                  <a:schemeClr val="accent6">
-                    <a:lumMod val="75000"/>
-                  </a:schemeClr>
-                </a:solidFill>
-              </a:rPr>
-              <a:t>管理</a:t>
+              <a:t>   影片评论管理</a:t>
             </a:r>
             <a:endParaRPr lang="en-US" altLang="zh-CN" dirty="0" smtClean="0">
               <a:solidFill>
@@ -9026,17 +9926,7 @@
                   </a:schemeClr>
                 </a:solidFill>
               </a:rPr>
-              <a:t>   报表</a:t>
-            </a:r>
-            <a:r>
-              <a:rPr lang="zh-CN" altLang="en-US" dirty="0" smtClean="0">
-                <a:solidFill>
-                  <a:schemeClr val="accent6">
-                    <a:lumMod val="75000"/>
-                  </a:schemeClr>
-                </a:solidFill>
-              </a:rPr>
-              <a:t>统计</a:t>
+              <a:t>   报表统计</a:t>
             </a:r>
             <a:endParaRPr lang="zh-CN" altLang="en-US" dirty="0">
               <a:solidFill>
@@ -9074,6 +9964,40 @@
 <file path=ppt/slides/slide9.xml><?xml version="1.0" encoding="utf-8"?>
 <p:sld xmlns:a="http://schemas.openxmlformats.org/drawingml/2006/main" xmlns:r="http://schemas.openxmlformats.org/officeDocument/2006/relationships" xmlns:p="http://schemas.openxmlformats.org/presentationml/2006/main">
   <p:cSld>
+    <p:bg>
+      <p:bgPr>
+        <a:gradFill>
+          <a:gsLst>
+            <a:gs pos="0">
+              <a:schemeClr val="accent5">
+                <a:lumMod val="5000"/>
+                <a:lumOff val="95000"/>
+              </a:schemeClr>
+            </a:gs>
+            <a:gs pos="74000">
+              <a:schemeClr val="accent5">
+                <a:lumMod val="45000"/>
+                <a:lumOff val="55000"/>
+              </a:schemeClr>
+            </a:gs>
+            <a:gs pos="83000">
+              <a:schemeClr val="accent5">
+                <a:lumMod val="45000"/>
+                <a:lumOff val="55000"/>
+              </a:schemeClr>
+            </a:gs>
+            <a:gs pos="100000">
+              <a:schemeClr val="accent5">
+                <a:lumMod val="30000"/>
+                <a:lumOff val="70000"/>
+              </a:schemeClr>
+            </a:gs>
+          </a:gsLst>
+          <a:lin ang="5400000" scaled="1"/>
+        </a:gradFill>
+        <a:effectLst/>
+      </p:bgPr>
+    </p:bg>
     <p:spTree>
       <p:nvGrpSpPr>
         <p:cNvPr id="1" name=""/>
@@ -9353,7 +10277,17 @@
                   </a:schemeClr>
                 </a:solidFill>
               </a:rPr>
-              <a:t>    作为选择</a:t>
+              <a:t>    </a:t>
+            </a:r>
+            <a:r>
+              <a:rPr lang="zh-CN" altLang="en-US" dirty="0" smtClean="0">
+                <a:solidFill>
+                  <a:schemeClr val="accent6">
+                    <a:lumMod val="75000"/>
+                  </a:schemeClr>
+                </a:solidFill>
+              </a:rPr>
+              <a:t>座位选择</a:t>
             </a:r>
             <a:endParaRPr lang="en-US" altLang="zh-CN" dirty="0" smtClean="0">
               <a:solidFill>

--- a/Milestone/Milestone_5/项目总结.pptx
+++ b/Milestone/Milestone_5/项目总结.pptx
@@ -8835,7 +8835,9 @@
           <a:prstGeom prst="rect">
             <a:avLst/>
           </a:prstGeom>
-          <a:noFill/>
+          <a:solidFill>
+            <a:schemeClr val="bg1"/>
+          </a:solidFill>
           <a:ln>
             <a:solidFill>
               <a:schemeClr val="accent1">
@@ -8877,17 +8879,7 @@
                   </a:schemeClr>
                 </a:solidFill>
               </a:rPr>
-              <a:t>‘影视资讯’</a:t>
-            </a:r>
-            <a:r>
-              <a:rPr lang="zh-CN" altLang="en-US" dirty="0" smtClean="0">
-                <a:solidFill>
-                  <a:schemeClr val="accent1">
-                    <a:lumMod val="75000"/>
-                  </a:schemeClr>
-                </a:solidFill>
-              </a:rPr>
-              <a:t>页面</a:t>
+              <a:t>‘影视资讯’页面</a:t>
             </a:r>
             <a:endParaRPr lang="en-US" altLang="zh-CN" dirty="0" smtClean="0">
               <a:solidFill>
@@ -8935,17 +8927,7 @@
                   </a:schemeClr>
                 </a:solidFill>
               </a:rPr>
-              <a:t>    </a:t>
-            </a:r>
-            <a:r>
-              <a:rPr lang="zh-CN" altLang="en-US" dirty="0" smtClean="0">
-                <a:solidFill>
-                  <a:schemeClr val="accent1">
-                    <a:lumMod val="75000"/>
-                  </a:schemeClr>
-                </a:solidFill>
-              </a:rPr>
-              <a:t>文章管理</a:t>
+              <a:t>    文章管理</a:t>
             </a:r>
             <a:endParaRPr lang="en-US" altLang="zh-CN" dirty="0" smtClean="0">
               <a:solidFill>
@@ -10277,17 +10259,7 @@
                   </a:schemeClr>
                 </a:solidFill>
               </a:rPr>
-              <a:t>    </a:t>
-            </a:r>
-            <a:r>
-              <a:rPr lang="zh-CN" altLang="en-US" dirty="0" smtClean="0">
-                <a:solidFill>
-                  <a:schemeClr val="accent6">
-                    <a:lumMod val="75000"/>
-                  </a:schemeClr>
-                </a:solidFill>
-              </a:rPr>
-              <a:t>座位选择</a:t>
+              <a:t>    座位选择</a:t>
             </a:r>
             <a:endParaRPr lang="en-US" altLang="zh-CN" dirty="0" smtClean="0">
               <a:solidFill>
